--- a/PptxTemplating.Tests/files/test1.pptx
+++ b/PptxTemplating.Tests/files/test1.pptx
@@ -3189,12 +3189,12 @@
           <a:lstStyle/>
           <a:p>
             <a:r>
-              <a:rPr lang="en-US" dirty="0" err="1" smtClean="0"/>
-              <a:t>Titre</a:t>
-            </a:r>
-            <a:r>
               <a:rPr lang="en-US" dirty="0" smtClean="0"/>
-              <a:t> 1</a:t>
+              <a:t>Title </a:t>
+            </a:r>
+            <a:r>
+              <a:rPr lang="en-US" dirty="0" smtClean="0"/>
+              <a:t>1</a:t>
             </a:r>
             <a:endParaRPr lang="fr-FR" dirty="0"/>
           </a:p>
@@ -3229,6 +3229,337 @@
           </a:p>
         </p:txBody>
       </p:sp>
+      <p:graphicFrame>
+        <p:nvGraphicFramePr>
+          <p:cNvPr id="4" name="Espace réservé du contenu 4"/>
+          <p:cNvGraphicFramePr>
+            <a:graphicFrameLocks/>
+          </p:cNvGraphicFramePr>
+          <p:nvPr>
+            <p:extLst>
+              <p:ext uri="{D42A27DB-BD31-4B8C-83A1-F6EECF244321}">
+                <p14:modId xmlns:p14="http://schemas.microsoft.com/office/powerpoint/2010/main" val="641890305"/>
+              </p:ext>
+            </p:extLst>
+          </p:nvPr>
+        </p:nvGraphicFramePr>
+        <p:xfrm>
+          <a:off x="457200" y="3447008"/>
+          <a:ext cx="8229600" cy="1854200"/>
+        </p:xfrm>
+        <a:graphic>
+          <a:graphicData uri="http://schemas.openxmlformats.org/drawingml/2006/table">
+            <a:tbl>
+              <a:tblPr firstRow="1" bandRow="1">
+                <a:tableStyleId>{5C22544A-7EE6-4342-B048-85BDC9FD1C3A}</a:tableStyleId>
+              </a:tblPr>
+              <a:tblGrid>
+                <a:gridCol w="1645920"/>
+                <a:gridCol w="1645920"/>
+                <a:gridCol w="1645920"/>
+                <a:gridCol w="1645920"/>
+                <a:gridCol w="1645920"/>
+              </a:tblGrid>
+              <a:tr h="370840">
+                <a:tc>
+                  <a:txBody>
+                    <a:bodyPr/>
+                    <a:lstStyle/>
+                    <a:p>
+                      <a:r>
+                        <a:rPr lang="en-US" dirty="0" smtClean="0"/>
+                        <a:t>Column 1</a:t>
+                      </a:r>
+                      <a:endParaRPr lang="fr-FR" dirty="0"/>
+                    </a:p>
+                  </a:txBody>
+                  <a:tcPr/>
+                </a:tc>
+                <a:tc>
+                  <a:txBody>
+                    <a:bodyPr/>
+                    <a:lstStyle/>
+                    <a:p>
+                      <a:r>
+                        <a:rPr lang="en-US" dirty="0" smtClean="0"/>
+                        <a:t>Column 2</a:t>
+                      </a:r>
+                      <a:endParaRPr lang="fr-FR" dirty="0"/>
+                    </a:p>
+                  </a:txBody>
+                  <a:tcPr/>
+                </a:tc>
+                <a:tc>
+                  <a:txBody>
+                    <a:bodyPr/>
+                    <a:lstStyle/>
+                    <a:p>
+                      <a:r>
+                        <a:rPr lang="en-US" dirty="0" smtClean="0"/>
+                        <a:t>Column 3</a:t>
+                      </a:r>
+                      <a:endParaRPr lang="fr-FR" dirty="0"/>
+                    </a:p>
+                  </a:txBody>
+                  <a:tcPr/>
+                </a:tc>
+                <a:tc>
+                  <a:txBody>
+                    <a:bodyPr/>
+                    <a:lstStyle/>
+                    <a:p>
+                      <a:r>
+                        <a:rPr lang="en-US" dirty="0" smtClean="0"/>
+                        <a:t>Column 4</a:t>
+                      </a:r>
+                      <a:endParaRPr lang="fr-FR" dirty="0"/>
+                    </a:p>
+                  </a:txBody>
+                  <a:tcPr/>
+                </a:tc>
+                <a:tc>
+                  <a:txBody>
+                    <a:bodyPr/>
+                    <a:lstStyle/>
+                    <a:p>
+                      <a:r>
+                        <a:rPr lang="en-US" dirty="0" smtClean="0"/>
+                        <a:t>Column 5</a:t>
+                      </a:r>
+                      <a:endParaRPr lang="fr-FR" dirty="0"/>
+                    </a:p>
+                  </a:txBody>
+                  <a:tcPr/>
+                </a:tc>
+              </a:tr>
+              <a:tr h="370840">
+                <a:tc>
+                  <a:txBody>
+                    <a:bodyPr/>
+                    <a:lstStyle/>
+                    <a:p>
+                      <a:r>
+                        <a:rPr lang="en-US" dirty="0" smtClean="0"/>
+                        <a:t>Line 1</a:t>
+                      </a:r>
+                      <a:endParaRPr lang="fr-FR" dirty="0"/>
+                    </a:p>
+                  </a:txBody>
+                  <a:tcPr/>
+                </a:tc>
+                <a:tc>
+                  <a:txBody>
+                    <a:bodyPr/>
+                    <a:lstStyle/>
+                    <a:p>
+                      <a:endParaRPr lang="fr-FR" dirty="0"/>
+                    </a:p>
+                  </a:txBody>
+                  <a:tcPr/>
+                </a:tc>
+                <a:tc>
+                  <a:txBody>
+                    <a:bodyPr/>
+                    <a:lstStyle/>
+                    <a:p>
+                      <a:endParaRPr lang="fr-FR"/>
+                    </a:p>
+                  </a:txBody>
+                  <a:tcPr/>
+                </a:tc>
+                <a:tc>
+                  <a:txBody>
+                    <a:bodyPr/>
+                    <a:lstStyle/>
+                    <a:p>
+                      <a:endParaRPr lang="fr-FR"/>
+                    </a:p>
+                  </a:txBody>
+                  <a:tcPr/>
+                </a:tc>
+                <a:tc>
+                  <a:txBody>
+                    <a:bodyPr/>
+                    <a:lstStyle/>
+                    <a:p>
+                      <a:endParaRPr lang="fr-FR"/>
+                    </a:p>
+                  </a:txBody>
+                  <a:tcPr/>
+                </a:tc>
+              </a:tr>
+              <a:tr h="370840">
+                <a:tc>
+                  <a:txBody>
+                    <a:bodyPr/>
+                    <a:lstStyle/>
+                    <a:p>
+                      <a:r>
+                        <a:rPr lang="en-US" dirty="0" smtClean="0"/>
+                        <a:t>Line 2</a:t>
+                      </a:r>
+                      <a:endParaRPr lang="fr-FR" dirty="0"/>
+                    </a:p>
+                  </a:txBody>
+                  <a:tcPr/>
+                </a:tc>
+                <a:tc>
+                  <a:txBody>
+                    <a:bodyPr/>
+                    <a:lstStyle/>
+                    <a:p>
+                      <a:endParaRPr lang="fr-FR"/>
+                    </a:p>
+                  </a:txBody>
+                  <a:tcPr/>
+                </a:tc>
+                <a:tc>
+                  <a:txBody>
+                    <a:bodyPr/>
+                    <a:lstStyle/>
+                    <a:p>
+                      <a:endParaRPr lang="fr-FR"/>
+                    </a:p>
+                  </a:txBody>
+                  <a:tcPr/>
+                </a:tc>
+                <a:tc>
+                  <a:txBody>
+                    <a:bodyPr/>
+                    <a:lstStyle/>
+                    <a:p>
+                      <a:endParaRPr lang="fr-FR"/>
+                    </a:p>
+                  </a:txBody>
+                  <a:tcPr/>
+                </a:tc>
+                <a:tc>
+                  <a:txBody>
+                    <a:bodyPr/>
+                    <a:lstStyle/>
+                    <a:p>
+                      <a:endParaRPr lang="fr-FR"/>
+                    </a:p>
+                  </a:txBody>
+                  <a:tcPr/>
+                </a:tc>
+              </a:tr>
+              <a:tr h="370840">
+                <a:tc>
+                  <a:txBody>
+                    <a:bodyPr/>
+                    <a:lstStyle/>
+                    <a:p>
+                      <a:r>
+                        <a:rPr lang="en-US" dirty="0" smtClean="0"/>
+                        <a:t>Line 3</a:t>
+                      </a:r>
+                      <a:endParaRPr lang="fr-FR" dirty="0"/>
+                    </a:p>
+                  </a:txBody>
+                  <a:tcPr/>
+                </a:tc>
+                <a:tc>
+                  <a:txBody>
+                    <a:bodyPr/>
+                    <a:lstStyle/>
+                    <a:p>
+                      <a:endParaRPr lang="fr-FR"/>
+                    </a:p>
+                  </a:txBody>
+                  <a:tcPr/>
+                </a:tc>
+                <a:tc>
+                  <a:txBody>
+                    <a:bodyPr/>
+                    <a:lstStyle/>
+                    <a:p>
+                      <a:endParaRPr lang="fr-FR"/>
+                    </a:p>
+                  </a:txBody>
+                  <a:tcPr/>
+                </a:tc>
+                <a:tc>
+                  <a:txBody>
+                    <a:bodyPr/>
+                    <a:lstStyle/>
+                    <a:p>
+                      <a:endParaRPr lang="fr-FR"/>
+                    </a:p>
+                  </a:txBody>
+                  <a:tcPr/>
+                </a:tc>
+                <a:tc>
+                  <a:txBody>
+                    <a:bodyPr/>
+                    <a:lstStyle/>
+                    <a:p>
+                      <a:endParaRPr lang="fr-FR"/>
+                    </a:p>
+                  </a:txBody>
+                  <a:tcPr/>
+                </a:tc>
+              </a:tr>
+              <a:tr h="370840">
+                <a:tc>
+                  <a:txBody>
+                    <a:bodyPr/>
+                    <a:lstStyle/>
+                    <a:p>
+                      <a:r>
+                        <a:rPr lang="en-US" dirty="0" smtClean="0"/>
+                        <a:t>Line 4</a:t>
+                      </a:r>
+                      <a:endParaRPr lang="fr-FR" dirty="0"/>
+                    </a:p>
+                  </a:txBody>
+                  <a:tcPr/>
+                </a:tc>
+                <a:tc>
+                  <a:txBody>
+                    <a:bodyPr/>
+                    <a:lstStyle/>
+                    <a:p>
+                      <a:endParaRPr lang="fr-FR"/>
+                    </a:p>
+                  </a:txBody>
+                  <a:tcPr/>
+                </a:tc>
+                <a:tc>
+                  <a:txBody>
+                    <a:bodyPr/>
+                    <a:lstStyle/>
+                    <a:p>
+                      <a:endParaRPr lang="fr-FR"/>
+                    </a:p>
+                  </a:txBody>
+                  <a:tcPr/>
+                </a:tc>
+                <a:tc>
+                  <a:txBody>
+                    <a:bodyPr/>
+                    <a:lstStyle/>
+                    <a:p>
+                      <a:endParaRPr lang="fr-FR"/>
+                    </a:p>
+                  </a:txBody>
+                  <a:tcPr/>
+                </a:tc>
+                <a:tc>
+                  <a:txBody>
+                    <a:bodyPr/>
+                    <a:lstStyle/>
+                    <a:p>
+                      <a:endParaRPr lang="fr-FR" dirty="0"/>
+                    </a:p>
+                  </a:txBody>
+                  <a:tcPr/>
+                </a:tc>
+              </a:tr>
+            </a:tbl>
+          </a:graphicData>
+        </a:graphic>
+      </p:graphicFrame>
     </p:spTree>
     <p:extLst>
       <p:ext uri="{BB962C8B-B14F-4D97-AF65-F5344CB8AC3E}">
@@ -3275,12 +3606,12 @@
           <a:lstStyle/>
           <a:p>
             <a:r>
-              <a:rPr lang="en-US" dirty="0" err="1" smtClean="0"/>
-              <a:t>Titre</a:t>
-            </a:r>
-            <a:r>
               <a:rPr lang="en-US" dirty="0" smtClean="0"/>
-              <a:t> 2</a:t>
+              <a:t>Title </a:t>
+            </a:r>
+            <a:r>
+              <a:rPr lang="en-US" dirty="0" smtClean="0"/>
+              <a:t>2</a:t>
             </a:r>
             <a:endParaRPr lang="fr-FR" dirty="0"/>
           </a:p>
